--- a/Presentation.pptx
+++ b/Presentation.pptx
@@ -5328,10 +5328,10 @@
           <a:lstStyle/>
           <a:p>
             <a:r>
-              <a:rPr lang="en-US" sz="9600" b="1" dirty="0" err="1" smtClean="0"/>
+              <a:rPr lang="en-US" sz="9600" dirty="0" err="1" smtClean="0"/>
               <a:t>Selfer</a:t>
             </a:r>
-            <a:endParaRPr lang="en-US" sz="9600" b="1" dirty="0"/>
+            <a:endParaRPr lang="en-US" sz="9600" dirty="0"/>
           </a:p>
         </p:txBody>
       </p:sp>
@@ -5767,7 +5767,7 @@
   <a:extraClrSchemeLst/>
   <a:extLst>
     <a:ext uri="{05A4C25C-085E-4340-85A3-A5531E510DB2}">
-      <thm15:themeFamily xmlns:thm15="http://schemas.microsoft.com/office/thememl/2012/main" xmlns="" name="Slice" id="{0507925B-6AC9-4358-8E18-C330545D08F8}" vid="{13FEC7C6-62A9-40C4-99D2-581AACACAA2F}"/>
+      <thm15:themeFamily xmlns="" xmlns:thm15="http://schemas.microsoft.com/office/thememl/2012/main" name="Slice" id="{0507925B-6AC9-4358-8E18-C330545D08F8}" vid="{13FEC7C6-62A9-40C4-99D2-581AACACAA2F}"/>
     </a:ext>
   </a:extLst>
 </a:theme>
